--- a/Hands-on/Azure Storage/Azure Storage.pptx
+++ b/Hands-on/Azure Storage/Azure Storage.pptx
@@ -139,6 +139,11 @@
       </a:defRPr>
     </a:lvl9pPr>
   </p:defaultTextStyle>
+  <p:extLst>
+    <p:ext uri="{EFAFB233-063F-42B5-8137-9DF3F51BA10A}">
+      <p15:sldGuideLst xmlns:p15="http://schemas.microsoft.com/office/powerpoint/2012/main"/>
+    </p:ext>
+  </p:extLst>
 </p:presentation>
 </file>
 
@@ -291,7 +296,7 @@
           <a:p>
             <a:fld id="{14124488-D8D5-4207-8D40-DA7600F55682}" type="datetimeFigureOut">
               <a:rPr lang="en-IN" smtClean="0"/>
-              <a:t>08-10-2022</a:t>
+              <a:t>10-10-2022</a:t>
             </a:fld>
             <a:endParaRPr lang="en-IN"/>
           </a:p>
@@ -491,7 +496,7 @@
           <a:p>
             <a:fld id="{14124488-D8D5-4207-8D40-DA7600F55682}" type="datetimeFigureOut">
               <a:rPr lang="en-IN" smtClean="0"/>
-              <a:t>08-10-2022</a:t>
+              <a:t>10-10-2022</a:t>
             </a:fld>
             <a:endParaRPr lang="en-IN"/>
           </a:p>
@@ -701,7 +706,7 @@
           <a:p>
             <a:fld id="{14124488-D8D5-4207-8D40-DA7600F55682}" type="datetimeFigureOut">
               <a:rPr lang="en-IN" smtClean="0"/>
-              <a:t>08-10-2022</a:t>
+              <a:t>10-10-2022</a:t>
             </a:fld>
             <a:endParaRPr lang="en-IN"/>
           </a:p>
@@ -1000,7 +1005,7 @@
           <a:p>
             <a:fld id="{7D0BE9EC-3994-4E60-BF0C-653179C96710}" type="datetimeFigureOut">
               <a:rPr lang="en-US" smtClean="0"/>
-              <a:t>10/8/2022</a:t>
+              <a:t>10/10/2022</a:t>
             </a:fld>
             <a:endParaRPr lang="en-US"/>
           </a:p>
@@ -1208,7 +1213,7 @@
           <a:p>
             <a:fld id="{7D0BE9EC-3994-4E60-BF0C-653179C96710}" type="datetimeFigureOut">
               <a:rPr lang="en-US" smtClean="0"/>
-              <a:t>10/8/2022</a:t>
+              <a:t>10/10/2022</a:t>
             </a:fld>
             <a:endParaRPr lang="en-US"/>
           </a:p>
@@ -1551,7 +1556,7 @@
           <a:p>
             <a:fld id="{7D0BE9EC-3994-4E60-BF0C-653179C96710}" type="datetimeFigureOut">
               <a:rPr lang="en-US" smtClean="0"/>
-              <a:t>10/8/2022</a:t>
+              <a:t>10/10/2022</a:t>
             </a:fld>
             <a:endParaRPr lang="en-US"/>
           </a:p>
@@ -1826,7 +1831,7 @@
           <a:p>
             <a:fld id="{7D0BE9EC-3994-4E60-BF0C-653179C96710}" type="datetimeFigureOut">
               <a:rPr lang="en-US" smtClean="0"/>
-              <a:t>10/8/2022</a:t>
+              <a:t>10/10/2022</a:t>
             </a:fld>
             <a:endParaRPr lang="en-US"/>
           </a:p>
@@ -2205,7 +2210,7 @@
           <a:p>
             <a:fld id="{7D0BE9EC-3994-4E60-BF0C-653179C96710}" type="datetimeFigureOut">
               <a:rPr lang="en-US" smtClean="0"/>
-              <a:t>10/8/2022</a:t>
+              <a:t>10/10/2022</a:t>
             </a:fld>
             <a:endParaRPr lang="en-US"/>
           </a:p>
@@ -2323,7 +2328,7 @@
           <a:p>
             <a:fld id="{7D0BE9EC-3994-4E60-BF0C-653179C96710}" type="datetimeFigureOut">
               <a:rPr lang="en-US" smtClean="0"/>
-              <a:t>10/8/2022</a:t>
+              <a:t>10/10/2022</a:t>
             </a:fld>
             <a:endParaRPr lang="en-US"/>
           </a:p>
@@ -2494,7 +2499,7 @@
           <a:p>
             <a:fld id="{7D0BE9EC-3994-4E60-BF0C-653179C96710}" type="datetimeFigureOut">
               <a:rPr lang="en-US" smtClean="0"/>
-              <a:t>10/8/2022</a:t>
+              <a:t>10/10/2022</a:t>
             </a:fld>
             <a:endParaRPr lang="en-US"/>
           </a:p>
@@ -2848,7 +2853,7 @@
           <a:p>
             <a:fld id="{7D0BE9EC-3994-4E60-BF0C-653179C96710}" type="datetimeFigureOut">
               <a:rPr lang="en-US" smtClean="0"/>
-              <a:t>10/8/2022</a:t>
+              <a:t>10/10/2022</a:t>
             </a:fld>
             <a:endParaRPr lang="en-US"/>
           </a:p>
@@ -3057,7 +3062,7 @@
           <a:p>
             <a:fld id="{14124488-D8D5-4207-8D40-DA7600F55682}" type="datetimeFigureOut">
               <a:rPr lang="en-IN" smtClean="0"/>
-              <a:t>08-10-2022</a:t>
+              <a:t>10-10-2022</a:t>
             </a:fld>
             <a:endParaRPr lang="en-IN"/>
           </a:p>
@@ -3425,7 +3430,7 @@
           <a:p>
             <a:fld id="{7D0BE9EC-3994-4E60-BF0C-653179C96710}" type="datetimeFigureOut">
               <a:rPr lang="en-US" smtClean="0"/>
-              <a:t>10/8/2022</a:t>
+              <a:t>10/10/2022</a:t>
             </a:fld>
             <a:endParaRPr lang="en-US"/>
           </a:p>
@@ -3595,7 +3600,7 @@
           <a:p>
             <a:fld id="{7D0BE9EC-3994-4E60-BF0C-653179C96710}" type="datetimeFigureOut">
               <a:rPr lang="en-US" smtClean="0"/>
-              <a:t>10/8/2022</a:t>
+              <a:t>10/10/2022</a:t>
             </a:fld>
             <a:endParaRPr lang="en-US"/>
           </a:p>
@@ -3851,7 +3856,7 @@
           <a:p>
             <a:fld id="{7D0BE9EC-3994-4E60-BF0C-653179C96710}" type="datetimeFigureOut">
               <a:rPr lang="en-US" smtClean="0"/>
-              <a:t>10/8/2022</a:t>
+              <a:t>10/10/2022</a:t>
             </a:fld>
             <a:endParaRPr lang="en-US"/>
           </a:p>
@@ -4115,7 +4120,7 @@
           <a:p>
             <a:fld id="{14124488-D8D5-4207-8D40-DA7600F55682}" type="datetimeFigureOut">
               <a:rPr lang="en-IN" smtClean="0"/>
-              <a:t>08-10-2022</a:t>
+              <a:t>10-10-2022</a:t>
             </a:fld>
             <a:endParaRPr lang="en-IN"/>
           </a:p>
@@ -4383,7 +4388,7 @@
           <a:p>
             <a:fld id="{14124488-D8D5-4207-8D40-DA7600F55682}" type="datetimeFigureOut">
               <a:rPr lang="en-IN" smtClean="0"/>
-              <a:t>08-10-2022</a:t>
+              <a:t>10-10-2022</a:t>
             </a:fld>
             <a:endParaRPr lang="en-IN"/>
           </a:p>
@@ -4798,7 +4803,7 @@
           <a:p>
             <a:fld id="{14124488-D8D5-4207-8D40-DA7600F55682}" type="datetimeFigureOut">
               <a:rPr lang="en-IN" smtClean="0"/>
-              <a:t>08-10-2022</a:t>
+              <a:t>10-10-2022</a:t>
             </a:fld>
             <a:endParaRPr lang="en-IN"/>
           </a:p>
@@ -4940,7 +4945,7 @@
           <a:p>
             <a:fld id="{14124488-D8D5-4207-8D40-DA7600F55682}" type="datetimeFigureOut">
               <a:rPr lang="en-IN" smtClean="0"/>
-              <a:t>08-10-2022</a:t>
+              <a:t>10-10-2022</a:t>
             </a:fld>
             <a:endParaRPr lang="en-IN"/>
           </a:p>
@@ -5053,7 +5058,7 @@
           <a:p>
             <a:fld id="{14124488-D8D5-4207-8D40-DA7600F55682}" type="datetimeFigureOut">
               <a:rPr lang="en-IN" smtClean="0"/>
-              <a:t>08-10-2022</a:t>
+              <a:t>10-10-2022</a:t>
             </a:fld>
             <a:endParaRPr lang="en-IN"/>
           </a:p>
@@ -5366,7 +5371,7 @@
           <a:p>
             <a:fld id="{14124488-D8D5-4207-8D40-DA7600F55682}" type="datetimeFigureOut">
               <a:rPr lang="en-IN" smtClean="0"/>
-              <a:t>08-10-2022</a:t>
+              <a:t>10-10-2022</a:t>
             </a:fld>
             <a:endParaRPr lang="en-IN"/>
           </a:p>
@@ -5655,7 +5660,7 @@
           <a:p>
             <a:fld id="{14124488-D8D5-4207-8D40-DA7600F55682}" type="datetimeFigureOut">
               <a:rPr lang="en-IN" smtClean="0"/>
-              <a:t>08-10-2022</a:t>
+              <a:t>10-10-2022</a:t>
             </a:fld>
             <a:endParaRPr lang="en-IN"/>
           </a:p>
@@ -5898,7 +5903,7 @@
           <a:p>
             <a:fld id="{14124488-D8D5-4207-8D40-DA7600F55682}" type="datetimeFigureOut">
               <a:rPr lang="en-IN" smtClean="0"/>
-              <a:t>08-10-2022</a:t>
+              <a:t>10-10-2022</a:t>
             </a:fld>
             <a:endParaRPr lang="en-IN"/>
           </a:p>
@@ -6524,7 +6529,7 @@
           <a:p>
             <a:fld id="{7D0BE9EC-3994-4E60-BF0C-653179C96710}" type="datetimeFigureOut">
               <a:rPr lang="en-US" smtClean="0"/>
-              <a:t>10/8/2022</a:t>
+              <a:t>10/10/2022</a:t>
             </a:fld>
             <a:endParaRPr lang="en-US"/>
           </a:p>
